--- a/Courses/Applied-Programmer/Programming-Fundamentals/02-Типове-данни/04.Бройни-системи-аритметика.pptx
+++ b/Courses/Applied-Programmer/Programming-Fundamentals/02-Типове-данни/04.Бройни-системи-аритметика.pptx
@@ -310,7 +310,7 @@
             <a:fld id="{FE5B4EDC-59C0-49C7-8ADA-5A781B329E02}" type="datetimeFigureOut">
               <a:rPr lang="en-US"/>
               <a:pPr/>
-              <a:t>16-Dec-19</a:t>
+              <a:t>10-Nov-20</a:t>
             </a:fld>
             <a:endParaRPr dirty="0"/>
           </a:p>
@@ -608,7 +608,7 @@
             <a:fld id="{F2D8D46A-B586-417D-BFBD-8C8FE0AAF762}" type="datetimeFigureOut">
               <a:rPr lang="en-US" smtClean="0"/>
               <a:pPr/>
-              <a:t>16-Dec-19</a:t>
+              <a:t>10-Nov-20</a:t>
             </a:fld>
             <a:endParaRPr lang="en-US" dirty="0"/>
           </a:p>
@@ -3619,14 +3619,10 @@
           <a:lstStyle/>
           <a:p>
             <a:r>
-              <a:rPr lang="bg-BG" altLang="en-US">
-                <a:latin typeface="+mn-ea"/>
-              </a:rPr>
+              <a:rPr lang="bg-BG" altLang="en-US" dirty="0"/>
               <a:t>Бройни системи – аритметика</a:t>
             </a:r>
-            <a:endParaRPr lang="x-none" altLang="en-US" dirty="0">
-              <a:latin typeface="+mn-ea"/>
-            </a:endParaRPr>
+            <a:endParaRPr lang="x-none" altLang="en-US" dirty="0"/>
           </a:p>
         </p:txBody>
       </p:sp>
@@ -5666,7 +5662,7 @@
             </a:endParaRPr>
           </a:p>
           <a:p>
-            <a:pPr marL="0" indent="0">
+            <a:pPr marL="541338" indent="0">
               <a:lnSpc>
                 <a:spcPct val="110000"/>
               </a:lnSpc>
@@ -5684,7 +5680,7 @@
             </a:r>
           </a:p>
           <a:p>
-            <a:pPr marL="0" indent="0">
+            <a:pPr marL="541338" indent="0">
               <a:lnSpc>
                 <a:spcPct val="110000"/>
               </a:lnSpc>
@@ -5702,7 +5698,7 @@
             </a:r>
           </a:p>
           <a:p>
-            <a:pPr marL="0" indent="0">
+            <a:pPr marL="541338" indent="0">
               <a:lnSpc>
                 <a:spcPct val="110000"/>
               </a:lnSpc>
@@ -5795,13 +5791,13 @@
           <p:nvPr>
             <p:extLst>
               <p:ext uri="{D42A27DB-BD31-4B8C-83A1-F6EECF244321}">
-                <p14:modId xmlns:p14="http://schemas.microsoft.com/office/powerpoint/2010/main" val="1944957721"/>
+                <p14:modId xmlns:p14="http://schemas.microsoft.com/office/powerpoint/2010/main" val="329940910"/>
               </p:ext>
             </p:extLst>
           </p:nvPr>
         </p:nvGraphicFramePr>
         <p:xfrm>
-          <a:off x="4951413" y="1447800"/>
+          <a:off x="5180012" y="2057400"/>
           <a:ext cx="3505200" cy="1447800"/>
         </p:xfrm>
         <a:graphic>
@@ -6189,40 +6185,56 @@
               </a:lnSpc>
             </a:pPr>
             <a:r>
-              <a:rPr lang="bg-BG" altLang="he-IL" dirty="0">
+              <a:rPr lang="bg-BG" altLang="he-IL" sz="3600" dirty="0">
                 <a:solidFill>
                   <a:schemeClr val="accent5">
                     <a:lumMod val="20000"/>
                     <a:lumOff val="80000"/>
                   </a:schemeClr>
                 </a:solidFill>
-                <a:latin typeface="Consolas" pitchFamily="49" charset="0"/>
                 <a:cs typeface="Consolas" pitchFamily="49" charset="0"/>
               </a:rPr>
               <a:t>Ако събираме повече от две числа едновременно, може да се получи </a:t>
             </a:r>
             <a:r>
-              <a:rPr lang="bg-BG" altLang="he-IL" dirty="0">
+              <a:rPr lang="bg-BG" altLang="he-IL" sz="3600" dirty="0">
                 <a:solidFill>
                   <a:srgbClr val="FFC000"/>
                 </a:solidFill>
-                <a:latin typeface="Consolas" pitchFamily="49" charset="0"/>
                 <a:cs typeface="Consolas" pitchFamily="49" charset="0"/>
               </a:rPr>
               <a:t>пренос</a:t>
             </a:r>
             <a:r>
-              <a:rPr lang="bg-BG" altLang="he-IL" dirty="0">
+              <a:rPr lang="bg-BG" altLang="he-IL" sz="3600" dirty="0">
                 <a:solidFill>
                   <a:schemeClr val="accent5">
                     <a:lumMod val="20000"/>
                     <a:lumOff val="80000"/>
                   </a:schemeClr>
                 </a:solidFill>
-                <a:latin typeface="Consolas" pitchFamily="49" charset="0"/>
                 <a:cs typeface="Consolas" pitchFamily="49" charset="0"/>
               </a:rPr>
-              <a:t>, надвишаващ числото, тогава преносът се пише над толкова цифри, с колкото цифри се пише преноса- например, ако преноса е 3 се пише 11 – над две цифри</a:t>
+              <a:t>, надвишаващ числото</a:t>
+            </a:r>
+          </a:p>
+          <a:p>
+            <a:pPr lvl="1">
+              <a:lnSpc>
+                <a:spcPct val="110000"/>
+              </a:lnSpc>
+            </a:pPr>
+            <a:r>
+              <a:rPr lang="bg-BG" altLang="he-IL" sz="3600" dirty="0">
+                <a:solidFill>
+                  <a:schemeClr val="accent5">
+                    <a:lumMod val="20000"/>
+                    <a:lumOff val="80000"/>
+                  </a:schemeClr>
+                </a:solidFill>
+                <a:cs typeface="Consolas" pitchFamily="49" charset="0"/>
+              </a:rPr>
+              <a:t>Преносът се пише над толкова цифри, с колкото цифри се пише преноса (например, ако преноса е 3 се пише 11 – над две цифри)</a:t>
             </a:r>
           </a:p>
           <a:p>
@@ -6232,21 +6244,20 @@
               </a:lnSpc>
             </a:pPr>
             <a:r>
-              <a:rPr lang="bg-BG" altLang="he-IL" dirty="0">
+              <a:rPr lang="bg-BG" altLang="he-IL" sz="3600" dirty="0">
                 <a:solidFill>
                   <a:schemeClr val="accent5">
                     <a:lumMod val="20000"/>
                     <a:lumOff val="80000"/>
                   </a:schemeClr>
                 </a:solidFill>
-                <a:latin typeface="Consolas" pitchFamily="49" charset="0"/>
                 <a:cs typeface="Consolas" pitchFamily="49" charset="0"/>
               </a:rPr>
               <a:t>Пример:</a:t>
             </a:r>
           </a:p>
           <a:p>
-            <a:pPr marL="0" indent="0">
+            <a:pPr marL="625475" indent="0">
               <a:lnSpc>
                 <a:spcPct val="110000"/>
               </a:lnSpc>
@@ -6290,7 +6301,7 @@
             </a:r>
           </a:p>
           <a:p>
-            <a:pPr marL="0" indent="0">
+            <a:pPr marL="625475" indent="0">
               <a:lnSpc>
                 <a:spcPct val="110000"/>
               </a:lnSpc>
@@ -6367,7 +6378,7 @@
             </a:r>
           </a:p>
           <a:p>
-            <a:pPr marL="0" indent="0">
+            <a:pPr marL="625475" indent="0">
               <a:lnSpc>
                 <a:spcPct val="110000"/>
               </a:lnSpc>
@@ -6388,7 +6399,7 @@
             </a:r>
           </a:p>
           <a:p>
-            <a:pPr marL="0" indent="0">
+            <a:pPr marL="625475" indent="0">
               <a:lnSpc>
                 <a:spcPct val="110000"/>
               </a:lnSpc>
@@ -6409,7 +6420,7 @@
             </a:r>
           </a:p>
           <a:p>
-            <a:pPr marL="0" indent="0">
+            <a:pPr marL="625475" indent="0">
               <a:lnSpc>
                 <a:spcPct val="110000"/>
               </a:lnSpc>
@@ -6430,7 +6441,7 @@
             </a:r>
           </a:p>
           <a:p>
-            <a:pPr marL="0" indent="0">
+            <a:pPr marL="625475" indent="0">
               <a:lnSpc>
                 <a:spcPct val="110000"/>
               </a:lnSpc>
@@ -6450,7 +6461,7 @@
               <a:t>=1</a:t>
             </a:r>
             <a:r>
-              <a:rPr lang="en-US" altLang="he-IL">
+              <a:rPr lang="en-US" altLang="he-IL" dirty="0">
                 <a:solidFill>
                   <a:schemeClr val="accent5">
                     <a:lumMod val="20000"/>
@@ -6463,7 +6474,7 @@
               <a:t>0</a:t>
             </a:r>
             <a:r>
-              <a:rPr lang="bg-BG" altLang="he-IL">
+              <a:rPr lang="bg-BG" altLang="he-IL" dirty="0">
                 <a:solidFill>
                   <a:schemeClr val="accent5">
                     <a:lumMod val="20000"/>
@@ -6473,20 +6484,7 @@
                 <a:latin typeface="Consolas" pitchFamily="49" charset="0"/>
                 <a:cs typeface="Consolas" pitchFamily="49" charset="0"/>
               </a:rPr>
-              <a:t>0011    </a:t>
-            </a:r>
-            <a:r>
-              <a:rPr lang="bg-BG" altLang="he-IL" dirty="0">
-                <a:solidFill>
-                  <a:schemeClr val="accent5">
-                    <a:lumMod val="20000"/>
-                    <a:lumOff val="80000"/>
-                  </a:schemeClr>
-                </a:solidFill>
-                <a:latin typeface="Consolas" pitchFamily="49" charset="0"/>
-                <a:cs typeface="Consolas" pitchFamily="49" charset="0"/>
-              </a:rPr>
-              <a:t>35 </a:t>
+              <a:t>0011    35 </a:t>
             </a:r>
             <a:endParaRPr lang="en-US" altLang="he-IL" dirty="0">
               <a:solidFill>
@@ -6532,13 +6530,14 @@
         </p:nvSpPr>
         <p:spPr>
           <a:xfrm>
-            <a:off x="3016154" y="2957696"/>
-            <a:ext cx="6507258" cy="978602"/>
+            <a:off x="3351212" y="3124200"/>
+            <a:ext cx="6507258" cy="1110780"/>
           </a:xfrm>
-          <a:prstGeom prst="wedgeRectCallout">
+          <a:prstGeom prst="wedgeRoundRectCallout">
             <a:avLst>
-              <a:gd name="adj1" fmla="val -72519"/>
-              <a:gd name="adj2" fmla="val 14016"/>
+              <a:gd name="adj1" fmla="val -67721"/>
+              <a:gd name="adj2" fmla="val 48220"/>
+              <a:gd name="adj3" fmla="val 16667"/>
             </a:avLst>
           </a:prstGeom>
         </p:spPr>
@@ -6579,11 +6578,26 @@
                 <a:solidFill>
                   <a:srgbClr val="0070C0"/>
                 </a:solidFill>
+                <a:effectLst>
+                  <a:outerShdw blurRad="38100" dist="38100" dir="2700000" algn="tl">
+                    <a:srgbClr val="000000">
+                      <a:alpha val="43137"/>
+                    </a:srgbClr>
+                  </a:outerShdw>
+                </a:effectLst>
               </a:rPr>
               <a:t>1</a:t>
             </a:r>
             <a:r>
-              <a:rPr lang="bg-BG" sz="2800" dirty="0"/>
+              <a:rPr lang="bg-BG" sz="2800" dirty="0">
+                <a:effectLst>
+                  <a:outerShdw blurRad="38100" dist="38100" dir="2700000" algn="tl">
+                    <a:srgbClr val="000000">
+                      <a:alpha val="43137"/>
+                    </a:srgbClr>
+                  </a:outerShdw>
+                </a:effectLst>
+              </a:rPr>
               <a:t> </a:t>
             </a:r>
             <a:r>
@@ -6591,11 +6605,26 @@
                 <a:solidFill>
                   <a:srgbClr val="E85C0E"/>
                 </a:solidFill>
+                <a:effectLst>
+                  <a:outerShdw blurRad="38100" dist="38100" dir="2700000" algn="tl">
+                    <a:srgbClr val="000000">
+                      <a:alpha val="43137"/>
+                    </a:srgbClr>
+                  </a:outerShdw>
+                </a:effectLst>
               </a:rPr>
               <a:t>1</a:t>
             </a:r>
             <a:r>
-              <a:rPr lang="bg-BG" sz="2800" dirty="0"/>
+              <a:rPr lang="bg-BG" sz="2800" dirty="0">
+                <a:effectLst>
+                  <a:outerShdw blurRad="38100" dist="38100" dir="2700000" algn="tl">
+                    <a:srgbClr val="000000">
+                      <a:alpha val="43137"/>
+                    </a:srgbClr>
+                  </a:outerShdw>
+                </a:effectLst>
+              </a:rPr>
               <a:t> </a:t>
             </a:r>
             <a:r>
@@ -6603,11 +6632,26 @@
                 <a:solidFill>
                   <a:srgbClr val="92D050"/>
                 </a:solidFill>
+                <a:effectLst>
+                  <a:outerShdw blurRad="38100" dist="38100" dir="2700000" algn="tl">
+                    <a:srgbClr val="000000">
+                      <a:alpha val="43137"/>
+                    </a:srgbClr>
+                  </a:outerShdw>
+                </a:effectLst>
               </a:rPr>
               <a:t>100</a:t>
             </a:r>
             <a:r>
-              <a:rPr lang="bg-BG" sz="2800" dirty="0"/>
+              <a:rPr lang="bg-BG" sz="2800" dirty="0">
+                <a:effectLst>
+                  <a:outerShdw blurRad="38100" dist="38100" dir="2700000" algn="tl">
+                    <a:srgbClr val="000000">
+                      <a:alpha val="43137"/>
+                    </a:srgbClr>
+                  </a:outerShdw>
+                </a:effectLst>
+              </a:rPr>
               <a:t> </a:t>
             </a:r>
             <a:r>
@@ -6615,6 +6659,13 @@
                 <a:solidFill>
                   <a:srgbClr val="0070C0"/>
                 </a:solidFill>
+                <a:effectLst>
+                  <a:outerShdw blurRad="38100" dist="38100" dir="2700000" algn="tl">
+                    <a:srgbClr val="000000">
+                      <a:alpha val="43137"/>
+                    </a:srgbClr>
+                  </a:outerShdw>
+                </a:effectLst>
               </a:rPr>
               <a:t>1</a:t>
             </a:r>
@@ -6721,7 +6772,12 @@
             <p:ph idx="1"/>
           </p:nvPr>
         </p:nvSpPr>
-        <p:spPr/>
+        <p:spPr>
+          <a:xfrm>
+            <a:off x="379411" y="1151121"/>
+            <a:ext cx="11615823" cy="5570355"/>
+          </a:xfrm>
+        </p:spPr>
         <p:txBody>
           <a:bodyPr>
             <a:normAutofit/>
@@ -6941,13 +6997,14 @@
         </p:nvSpPr>
         <p:spPr>
           <a:xfrm>
-            <a:off x="5789612" y="1469573"/>
-            <a:ext cx="4692646" cy="2466725"/>
+            <a:off x="5561012" y="1127791"/>
+            <a:ext cx="5257799" cy="2506482"/>
           </a:xfrm>
-          <a:prstGeom prst="wedgeRectCallout">
+          <a:prstGeom prst="wedgeRoundRectCallout">
             <a:avLst>
-              <a:gd name="adj1" fmla="val -105278"/>
-              <a:gd name="adj2" fmla="val -37022"/>
+              <a:gd name="adj1" fmla="val -90399"/>
+              <a:gd name="adj2" fmla="val -32426"/>
+              <a:gd name="adj3" fmla="val 16667"/>
             </a:avLst>
           </a:prstGeom>
         </p:spPr>
@@ -6974,14 +7031,7 @@
             <a:pPr algn="ctr"/>
             <a:r>
               <a:rPr lang="bg-BG" sz="2800" dirty="0"/>
-              <a:t>Заеми преди всяко действие, ако цифрата на умаляемто е по-малка от цифрата на умалителя: </a:t>
-            </a:r>
-          </a:p>
-          <a:p>
-            <a:pPr algn="ctr"/>
-            <a:r>
-              <a:rPr lang="bg-BG" sz="2800" dirty="0"/>
-              <a:t>всеки заем е с различен цвят </a:t>
+              <a:t>Заеми преди всяко действие, ако цифрата на умаляемото е по-малка от цифрата на умалителя:  всеки заем е с различен цвят </a:t>
             </a:r>
             <a:r>
               <a:rPr lang="bg-BG" sz="2800" dirty="0">
@@ -8125,7 +8175,14 @@
           <a:p>
             <a:r>
               <a:rPr lang="bg-BG" dirty="0"/>
-              <a:t>Тези действия може да се извършват по същия начин и във всяка друга позицинна бройна система. Само числата, които се получават във сметките от алгоритмите се записват в съответната бройна система</a:t>
+              <a:t>Тези действия може да се извършват по същия начин и във всяка друга позицинна бройна система</a:t>
+            </a:r>
+          </a:p>
+          <a:p>
+            <a:pPr lvl="1"/>
+            <a:r>
+              <a:rPr lang="bg-BG" dirty="0"/>
+              <a:t> Само числата, които се получават в сметките от алгоритмите се записват в съответната бройна система</a:t>
             </a:r>
           </a:p>
           <a:p>
@@ -8320,7 +8377,7 @@
             </a:r>
             <a:r>
               <a:rPr lang="bg-BG" sz="3200" dirty="0"/>
-              <a:t> на  числата </a:t>
+              <a:t> на числата </a:t>
             </a:r>
             <a:r>
               <a:rPr lang="bg-BG" sz="3200" dirty="0">

--- a/Courses/Applied-Programmer/Programming-Fundamentals/02-Типове-данни/04.Бройни-системи-аритметика.pptx
+++ b/Courses/Applied-Programmer/Programming-Fundamentals/02-Типове-данни/04.Бройни-системи-аритметика.pptx
@@ -310,7 +310,7 @@
             <a:fld id="{FE5B4EDC-59C0-49C7-8ADA-5A781B329E02}" type="datetimeFigureOut">
               <a:rPr lang="en-US"/>
               <a:pPr/>
-              <a:t>10-Nov-20</a:t>
+              <a:t>19-Nov-20</a:t>
             </a:fld>
             <a:endParaRPr dirty="0"/>
           </a:p>
@@ -608,7 +608,7 @@
             <a:fld id="{F2D8D46A-B586-417D-BFBD-8C8FE0AAF762}" type="datetimeFigureOut">
               <a:rPr lang="en-US" smtClean="0"/>
               <a:pPr/>
-              <a:t>10-Nov-20</a:t>
+              <a:t>19-Nov-20</a:t>
             </a:fld>
             <a:endParaRPr lang="en-US" dirty="0"/>
           </a:p>
@@ -3872,10 +3872,10 @@
         </p:nvGrpSpPr>
         <p:grpSpPr>
           <a:xfrm>
-            <a:off x="760412" y="3583505"/>
-            <a:ext cx="5043827" cy="2524722"/>
-            <a:chOff x="745783" y="3624633"/>
-            <a:chExt cx="5043827" cy="2524722"/>
+            <a:off x="303212" y="3583505"/>
+            <a:ext cx="5501027" cy="2722858"/>
+            <a:chOff x="288583" y="3624633"/>
+            <a:chExt cx="5501027" cy="2722858"/>
           </a:xfrm>
         </p:grpSpPr>
         <p:pic>
@@ -3938,7 +3938,7 @@
           </p:blipFill>
           <p:spPr bwMode="auto">
             <a:xfrm>
-              <a:off x="745783" y="4076772"/>
+              <a:off x="288583" y="4247544"/>
               <a:ext cx="2175525" cy="761165"/>
             </a:xfrm>
             <a:prstGeom prst="roundRect">
@@ -3977,7 +3977,7 @@
           </p:nvSpPr>
           <p:spPr bwMode="auto">
             <a:xfrm>
-              <a:off x="760413" y="4998598"/>
+              <a:off x="288583" y="5084042"/>
               <a:ext cx="3187614" cy="444343"/>
             </a:xfrm>
             <a:prstGeom prst="rect">
@@ -4234,7 +4234,7 @@
           </p:nvSpPr>
           <p:spPr bwMode="auto">
             <a:xfrm>
-              <a:off x="760412" y="5403725"/>
+              <a:off x="288583" y="5541092"/>
               <a:ext cx="3187613" cy="382788"/>
             </a:xfrm>
             <a:prstGeom prst="rect">
@@ -4490,7 +4490,7 @@
           </p:nvSpPr>
           <p:spPr bwMode="auto">
             <a:xfrm>
-              <a:off x="760412" y="5690893"/>
+              <a:off x="288583" y="5889029"/>
               <a:ext cx="3810000" cy="458462"/>
             </a:xfrm>
             <a:prstGeom prst="rect">
@@ -4731,6 +4731,141 @@
           </p:txBody>
         </p:sp>
       </p:grpSp>
+      <p:sp>
+        <p:nvSpPr>
+          <p:cNvPr id="14" name="Text Placeholder 11">
+            <a:extLst>
+              <a:ext uri="{FF2B5EF4-FFF2-40B4-BE49-F238E27FC236}">
+                <a16:creationId xmlns:a16="http://schemas.microsoft.com/office/drawing/2014/main" id="{3E4A0819-C69C-40DE-8DCD-6732932F3986}"/>
+              </a:ext>
+            </a:extLst>
+          </p:cNvPr>
+          <p:cNvSpPr txBox="1">
+            <a:spLocks/>
+          </p:cNvSpPr>
+          <p:nvPr/>
+        </p:nvSpPr>
+        <p:spPr bwMode="auto">
+          <a:xfrm>
+            <a:off x="303212" y="6308754"/>
+            <a:ext cx="11885613" cy="349702"/>
+          </a:xfrm>
+          <a:prstGeom prst="rect">
+            <a:avLst/>
+          </a:prstGeom>
+          <a:noFill/>
+          <a:effectLst/>
+        </p:spPr>
+        <p:txBody>
+          <a:bodyPr vert="horz" wrap="square" lIns="36000" tIns="36000" rIns="36000" bIns="36000" rtlCol="0" anchor="ctr" anchorCtr="0">
+            <a:spAutoFit/>
+          </a:bodyPr>
+          <a:lstStyle>
+            <a:defPPr>
+              <a:defRPr lang="en-US"/>
+            </a:defPPr>
+            <a:lvl1pPr marL="0" algn="l" defTabSz="1218987" rtl="0" eaLnBrk="1" latinLnBrk="0" hangingPunct="1">
+              <a:defRPr sz="2400" kern="1200">
+                <a:solidFill>
+                  <a:schemeClr val="tx1"/>
+                </a:solidFill>
+                <a:latin typeface="+mn-lt"/>
+                <a:ea typeface="+mn-ea"/>
+                <a:cs typeface="+mn-cs"/>
+              </a:defRPr>
+            </a:lvl1pPr>
+            <a:lvl2pPr marL="609493" algn="l" defTabSz="1218987" rtl="0" eaLnBrk="1" latinLnBrk="0" hangingPunct="1">
+              <a:defRPr sz="2400" kern="1200">
+                <a:solidFill>
+                  <a:schemeClr val="tx1"/>
+                </a:solidFill>
+                <a:latin typeface="+mn-lt"/>
+                <a:ea typeface="+mn-ea"/>
+                <a:cs typeface="+mn-cs"/>
+              </a:defRPr>
+            </a:lvl2pPr>
+            <a:lvl3pPr marL="1218987" algn="l" defTabSz="1218987" rtl="0" eaLnBrk="1" latinLnBrk="0" hangingPunct="1">
+              <a:defRPr sz="2400" kern="1200">
+                <a:solidFill>
+                  <a:schemeClr val="tx1"/>
+                </a:solidFill>
+                <a:latin typeface="+mn-lt"/>
+                <a:ea typeface="+mn-ea"/>
+                <a:cs typeface="+mn-cs"/>
+              </a:defRPr>
+            </a:lvl3pPr>
+            <a:lvl4pPr marL="1828480" algn="l" defTabSz="1218987" rtl="0" eaLnBrk="1" latinLnBrk="0" hangingPunct="1">
+              <a:defRPr sz="2400" kern="1200">
+                <a:solidFill>
+                  <a:schemeClr val="tx1"/>
+                </a:solidFill>
+                <a:latin typeface="+mn-lt"/>
+                <a:ea typeface="+mn-ea"/>
+                <a:cs typeface="+mn-cs"/>
+              </a:defRPr>
+            </a:lvl4pPr>
+            <a:lvl5pPr marL="2437973" algn="l" defTabSz="1218987" rtl="0" eaLnBrk="1" latinLnBrk="0" hangingPunct="1">
+              <a:defRPr sz="2400" kern="1200">
+                <a:solidFill>
+                  <a:schemeClr val="tx1"/>
+                </a:solidFill>
+                <a:latin typeface="+mn-lt"/>
+                <a:ea typeface="+mn-ea"/>
+                <a:cs typeface="+mn-cs"/>
+              </a:defRPr>
+            </a:lvl5pPr>
+            <a:lvl6pPr marL="3047467" algn="l" defTabSz="1218987" rtl="0" eaLnBrk="1" latinLnBrk="0" hangingPunct="1">
+              <a:defRPr sz="2400" kern="1200">
+                <a:solidFill>
+                  <a:schemeClr val="tx1"/>
+                </a:solidFill>
+                <a:latin typeface="+mn-lt"/>
+                <a:ea typeface="+mn-ea"/>
+                <a:cs typeface="+mn-cs"/>
+              </a:defRPr>
+            </a:lvl6pPr>
+            <a:lvl7pPr marL="3656960" algn="l" defTabSz="1218987" rtl="0" eaLnBrk="1" latinLnBrk="0" hangingPunct="1">
+              <a:defRPr sz="2400" kern="1200">
+                <a:solidFill>
+                  <a:schemeClr val="tx1"/>
+                </a:solidFill>
+                <a:latin typeface="+mn-lt"/>
+                <a:ea typeface="+mn-ea"/>
+                <a:cs typeface="+mn-cs"/>
+              </a:defRPr>
+            </a:lvl7pPr>
+            <a:lvl8pPr marL="4266453" algn="l" defTabSz="1218987" rtl="0" eaLnBrk="1" latinLnBrk="0" hangingPunct="1">
+              <a:defRPr sz="2400" kern="1200">
+                <a:solidFill>
+                  <a:schemeClr val="tx1"/>
+                </a:solidFill>
+                <a:latin typeface="+mn-lt"/>
+                <a:ea typeface="+mn-ea"/>
+                <a:cs typeface="+mn-cs"/>
+              </a:defRPr>
+            </a:lvl8pPr>
+            <a:lvl9pPr marL="4875947" algn="l" defTabSz="1218987" rtl="0" eaLnBrk="1" latinLnBrk="0" hangingPunct="1">
+              <a:defRPr sz="2400" kern="1200">
+                <a:solidFill>
+                  <a:schemeClr val="tx1"/>
+                </a:solidFill>
+                <a:latin typeface="+mn-lt"/>
+                <a:ea typeface="+mn-ea"/>
+                <a:cs typeface="+mn-cs"/>
+              </a:defRPr>
+            </a:lvl9pPr>
+          </a:lstStyle>
+          <a:p>
+            <a:r>
+              <a:rPr lang="en-US" sz="1800" b="1" dirty="0">
+                <a:hlinkClick r:id="rId10"/>
+              </a:rPr>
+              <a:t>https://github.com/BG-IT-Edu/School-Programming/tree/main/Courses/Applied-Programmer/Programming-Fundamentals</a:t>
+            </a:r>
+            <a:endParaRPr lang="en-GB" sz="1800" b="1" dirty="0"/>
+          </a:p>
+        </p:txBody>
+      </p:sp>
     </p:spTree>
     <p:extLst>
       <p:ext uri="{BB962C8B-B14F-4D97-AF65-F5344CB8AC3E}">
@@ -4777,12 +4912,12 @@
           <a:lstStyle/>
           <a:p>
             <a:r>
-              <a:rPr lang="bg-BG" altLang="en-US" sz="5400">
+              <a:rPr lang="bg-BG" altLang="en-US" sz="5400" dirty="0">
                 <a:solidFill>
                   <a:srgbClr val="F6D18E"/>
                 </a:solidFill>
               </a:rPr>
-              <a:t>Бройни системи – аритметика</a:t>
+              <a:t>Бройни системи</a:t>
             </a:r>
             <a:endParaRPr lang="en-US" dirty="0"/>
           </a:p>
@@ -4790,37 +4925,136 @@
       </p:sp>
       <p:sp>
         <p:nvSpPr>
-          <p:cNvPr id="3" name="Text Placeholder 2"/>
-          <p:cNvSpPr>
-            <a:spLocks noGrp="1"/>
+          <p:cNvPr id="6" name="Text Placeholder 11">
+            <a:extLst>
+              <a:ext uri="{FF2B5EF4-FFF2-40B4-BE49-F238E27FC236}">
+                <a16:creationId xmlns:a16="http://schemas.microsoft.com/office/drawing/2014/main" id="{3E4A0819-C69C-40DE-8DCD-6732932F3986}"/>
+              </a:ext>
+            </a:extLst>
+          </p:cNvPr>
+          <p:cNvSpPr txBox="1">
+            <a:spLocks/>
           </p:cNvSpPr>
-          <p:nvPr>
-            <p:ph type="body" sz="quarter" idx="10"/>
-          </p:nvPr>
+          <p:nvPr/>
         </p:nvSpPr>
-        <p:spPr>
+        <p:spPr bwMode="auto">
           <a:xfrm>
-            <a:off x="1529384" y="6400802"/>
-            <a:ext cx="10482604" cy="351754"/>
+            <a:off x="303212" y="6400800"/>
+            <a:ext cx="11885613" cy="349702"/>
           </a:xfrm>
+          <a:prstGeom prst="rect">
+            <a:avLst/>
+          </a:prstGeom>
+          <a:noFill/>
+          <a:effectLst/>
         </p:spPr>
         <p:txBody>
-          <a:bodyPr/>
-          <a:lstStyle/>
-          <a:p>
-            <a:r>
-              <a:rPr lang="en-US" dirty="0">
+          <a:bodyPr vert="horz" wrap="square" lIns="36000" tIns="36000" rIns="36000" bIns="36000" rtlCol="0" anchor="ctr" anchorCtr="0">
+            <a:spAutoFit/>
+          </a:bodyPr>
+          <a:lstStyle>
+            <a:defPPr>
+              <a:defRPr lang="en-US"/>
+            </a:defPPr>
+            <a:lvl1pPr marL="0" algn="l" defTabSz="1218987" rtl="0" eaLnBrk="1" latinLnBrk="0" hangingPunct="1">
+              <a:defRPr sz="2400" kern="1200">
+                <a:solidFill>
+                  <a:schemeClr val="tx1"/>
+                </a:solidFill>
+                <a:latin typeface="+mn-lt"/>
+                <a:ea typeface="+mn-ea"/>
+                <a:cs typeface="+mn-cs"/>
+              </a:defRPr>
+            </a:lvl1pPr>
+            <a:lvl2pPr marL="609493" algn="l" defTabSz="1218987" rtl="0" eaLnBrk="1" latinLnBrk="0" hangingPunct="1">
+              <a:defRPr sz="2400" kern="1200">
+                <a:solidFill>
+                  <a:schemeClr val="tx1"/>
+                </a:solidFill>
+                <a:latin typeface="+mn-lt"/>
+                <a:ea typeface="+mn-ea"/>
+                <a:cs typeface="+mn-cs"/>
+              </a:defRPr>
+            </a:lvl2pPr>
+            <a:lvl3pPr marL="1218987" algn="l" defTabSz="1218987" rtl="0" eaLnBrk="1" latinLnBrk="0" hangingPunct="1">
+              <a:defRPr sz="2400" kern="1200">
+                <a:solidFill>
+                  <a:schemeClr val="tx1"/>
+                </a:solidFill>
+                <a:latin typeface="+mn-lt"/>
+                <a:ea typeface="+mn-ea"/>
+                <a:cs typeface="+mn-cs"/>
+              </a:defRPr>
+            </a:lvl3pPr>
+            <a:lvl4pPr marL="1828480" algn="l" defTabSz="1218987" rtl="0" eaLnBrk="1" latinLnBrk="0" hangingPunct="1">
+              <a:defRPr sz="2400" kern="1200">
+                <a:solidFill>
+                  <a:schemeClr val="tx1"/>
+                </a:solidFill>
+                <a:latin typeface="+mn-lt"/>
+                <a:ea typeface="+mn-ea"/>
+                <a:cs typeface="+mn-cs"/>
+              </a:defRPr>
+            </a:lvl4pPr>
+            <a:lvl5pPr marL="2437973" algn="l" defTabSz="1218987" rtl="0" eaLnBrk="1" latinLnBrk="0" hangingPunct="1">
+              <a:defRPr sz="2400" kern="1200">
+                <a:solidFill>
+                  <a:schemeClr val="tx1"/>
+                </a:solidFill>
+                <a:latin typeface="+mn-lt"/>
+                <a:ea typeface="+mn-ea"/>
+                <a:cs typeface="+mn-cs"/>
+              </a:defRPr>
+            </a:lvl5pPr>
+            <a:lvl6pPr marL="3047467" algn="l" defTabSz="1218987" rtl="0" eaLnBrk="1" latinLnBrk="0" hangingPunct="1">
+              <a:defRPr sz="2400" kern="1200">
+                <a:solidFill>
+                  <a:schemeClr val="tx1"/>
+                </a:solidFill>
+                <a:latin typeface="+mn-lt"/>
+                <a:ea typeface="+mn-ea"/>
+                <a:cs typeface="+mn-cs"/>
+              </a:defRPr>
+            </a:lvl6pPr>
+            <a:lvl7pPr marL="3656960" algn="l" defTabSz="1218987" rtl="0" eaLnBrk="1" latinLnBrk="0" hangingPunct="1">
+              <a:defRPr sz="2400" kern="1200">
+                <a:solidFill>
+                  <a:schemeClr val="tx1"/>
+                </a:solidFill>
+                <a:latin typeface="+mn-lt"/>
+                <a:ea typeface="+mn-ea"/>
+                <a:cs typeface="+mn-cs"/>
+              </a:defRPr>
+            </a:lvl7pPr>
+            <a:lvl8pPr marL="4266453" algn="l" defTabSz="1218987" rtl="0" eaLnBrk="1" latinLnBrk="0" hangingPunct="1">
+              <a:defRPr sz="2400" kern="1200">
+                <a:solidFill>
+                  <a:schemeClr val="tx1"/>
+                </a:solidFill>
+                <a:latin typeface="+mn-lt"/>
+                <a:ea typeface="+mn-ea"/>
+                <a:cs typeface="+mn-cs"/>
+              </a:defRPr>
+            </a:lvl8pPr>
+            <a:lvl9pPr marL="4875947" algn="l" defTabSz="1218987" rtl="0" eaLnBrk="1" latinLnBrk="0" hangingPunct="1">
+              <a:defRPr sz="2400" kern="1200">
+                <a:solidFill>
+                  <a:schemeClr val="tx1"/>
+                </a:solidFill>
+                <a:latin typeface="+mn-lt"/>
+                <a:ea typeface="+mn-ea"/>
+                <a:cs typeface="+mn-cs"/>
+              </a:defRPr>
+            </a:lvl9pPr>
+          </a:lstStyle>
+          <a:p>
+            <a:r>
+              <a:rPr lang="en-US" sz="1800" b="1" dirty="0">
                 <a:hlinkClick r:id="rId3"/>
               </a:rPr>
-              <a:t>https://it-kariera.mon.bg/</a:t>
-            </a:r>
-            <a:r>
-              <a:rPr lang="en-US">
-                <a:hlinkClick r:id="rId3"/>
-              </a:rPr>
-              <a:t>e-learning/</a:t>
-            </a:r>
-            <a:endParaRPr lang="en-US" dirty="0"/>
+              <a:t>https://github.com/BG-IT-Edu/School-Programming/tree/main/Courses/Applied-Programmer/Programming-Fundamentals</a:t>
+            </a:r>
+            <a:endParaRPr lang="en-GB" sz="1800" b="1" dirty="0"/>
           </a:p>
         </p:txBody>
       </p:sp>

--- a/Courses/Applied-Programmer/Programming-Fundamentals/02-Типове-данни/04.Бройни-системи-аритметика.pptx
+++ b/Courses/Applied-Programmer/Programming-Fundamentals/02-Типове-данни/04.Бройни-системи-аритметика.pptx
@@ -310,7 +310,7 @@
             <a:fld id="{FE5B4EDC-59C0-49C7-8ADA-5A781B329E02}" type="datetimeFigureOut">
               <a:rPr lang="en-US"/>
               <a:pPr/>
-              <a:t>19-Nov-20</a:t>
+              <a:t>21-Nov-20</a:t>
             </a:fld>
             <a:endParaRPr dirty="0"/>
           </a:p>
@@ -608,7 +608,7 @@
             <a:fld id="{F2D8D46A-B586-417D-BFBD-8C8FE0AAF762}" type="datetimeFigureOut">
               <a:rPr lang="en-US" smtClean="0"/>
               <a:pPr/>
-              <a:t>19-Nov-20</a:t>
+              <a:t>21-Nov-20</a:t>
             </a:fld>
             <a:endParaRPr lang="en-US" dirty="0"/>
           </a:p>
@@ -5831,6 +5831,232 @@
   <p:clrMapOvr>
     <a:masterClrMapping/>
   </p:clrMapOvr>
+  <p:timing>
+    <p:tnLst>
+      <p:par>
+        <p:cTn id="1" dur="indefinite" restart="never" nodeType="tmRoot">
+          <p:childTnLst>
+            <p:seq concurrent="1" nextAc="seek">
+              <p:cTn id="2" dur="indefinite" nodeType="mainSeq">
+                <p:childTnLst>
+                  <p:par>
+                    <p:cTn id="3" fill="hold">
+                      <p:stCondLst>
+                        <p:cond delay="indefinite"/>
+                      </p:stCondLst>
+                      <p:childTnLst>
+                        <p:par>
+                          <p:cTn id="4" fill="hold">
+                            <p:stCondLst>
+                              <p:cond delay="0"/>
+                            </p:stCondLst>
+                            <p:childTnLst>
+                              <p:par>
+                                <p:cTn id="5" presetID="1" presetClass="entr" presetSubtype="0" fill="hold" nodeType="clickEffect">
+                                  <p:stCondLst>
+                                    <p:cond delay="0"/>
+                                  </p:stCondLst>
+                                  <p:childTnLst>
+                                    <p:set>
+                                      <p:cBhvr>
+                                        <p:cTn id="6" dur="1" fill="hold">
+                                          <p:stCondLst>
+                                            <p:cond delay="0"/>
+                                          </p:stCondLst>
+                                        </p:cTn>
+                                        <p:tgtEl>
+                                          <p:spTgt spid="14">
+                                            <p:txEl>
+                                              <p:pRg st="1" end="1"/>
+                                            </p:txEl>
+                                          </p:spTgt>
+                                        </p:tgtEl>
+                                        <p:attrNameLst>
+                                          <p:attrName>style.visibility</p:attrName>
+                                        </p:attrNameLst>
+                                      </p:cBhvr>
+                                      <p:to>
+                                        <p:strVal val="visible"/>
+                                      </p:to>
+                                    </p:set>
+                                  </p:childTnLst>
+                                </p:cTn>
+                              </p:par>
+                            </p:childTnLst>
+                          </p:cTn>
+                        </p:par>
+                      </p:childTnLst>
+                    </p:cTn>
+                  </p:par>
+                  <p:par>
+                    <p:cTn id="7" fill="hold">
+                      <p:stCondLst>
+                        <p:cond delay="indefinite"/>
+                      </p:stCondLst>
+                      <p:childTnLst>
+                        <p:par>
+                          <p:cTn id="8" fill="hold">
+                            <p:stCondLst>
+                              <p:cond delay="0"/>
+                            </p:stCondLst>
+                            <p:childTnLst>
+                              <p:par>
+                                <p:cTn id="9" presetID="1" presetClass="entr" presetSubtype="0" fill="hold" nodeType="clickEffect">
+                                  <p:stCondLst>
+                                    <p:cond delay="0"/>
+                                  </p:stCondLst>
+                                  <p:childTnLst>
+                                    <p:set>
+                                      <p:cBhvr>
+                                        <p:cTn id="10" dur="1" fill="hold">
+                                          <p:stCondLst>
+                                            <p:cond delay="0"/>
+                                          </p:stCondLst>
+                                        </p:cTn>
+                                        <p:tgtEl>
+                                          <p:spTgt spid="14">
+                                            <p:txEl>
+                                              <p:pRg st="2" end="2"/>
+                                            </p:txEl>
+                                          </p:spTgt>
+                                        </p:tgtEl>
+                                        <p:attrNameLst>
+                                          <p:attrName>style.visibility</p:attrName>
+                                        </p:attrNameLst>
+                                      </p:cBhvr>
+                                      <p:to>
+                                        <p:strVal val="visible"/>
+                                      </p:to>
+                                    </p:set>
+                                  </p:childTnLst>
+                                </p:cTn>
+                              </p:par>
+                            </p:childTnLst>
+                          </p:cTn>
+                        </p:par>
+                      </p:childTnLst>
+                    </p:cTn>
+                  </p:par>
+                  <p:par>
+                    <p:cTn id="11" fill="hold">
+                      <p:stCondLst>
+                        <p:cond delay="indefinite"/>
+                      </p:stCondLst>
+                      <p:childTnLst>
+                        <p:par>
+                          <p:cTn id="12" fill="hold">
+                            <p:stCondLst>
+                              <p:cond delay="0"/>
+                            </p:stCondLst>
+                            <p:childTnLst>
+                              <p:par>
+                                <p:cTn id="13" presetID="1" presetClass="entr" presetSubtype="0" fill="hold" nodeType="clickEffect">
+                                  <p:stCondLst>
+                                    <p:cond delay="0"/>
+                                  </p:stCondLst>
+                                  <p:childTnLst>
+                                    <p:set>
+                                      <p:cBhvr>
+                                        <p:cTn id="14" dur="1" fill="hold">
+                                          <p:stCondLst>
+                                            <p:cond delay="0"/>
+                                          </p:stCondLst>
+                                        </p:cTn>
+                                        <p:tgtEl>
+                                          <p:spTgt spid="14">
+                                            <p:txEl>
+                                              <p:pRg st="3" end="3"/>
+                                            </p:txEl>
+                                          </p:spTgt>
+                                        </p:tgtEl>
+                                        <p:attrNameLst>
+                                          <p:attrName>style.visibility</p:attrName>
+                                        </p:attrNameLst>
+                                      </p:cBhvr>
+                                      <p:to>
+                                        <p:strVal val="visible"/>
+                                      </p:to>
+                                    </p:set>
+                                  </p:childTnLst>
+                                </p:cTn>
+                              </p:par>
+                            </p:childTnLst>
+                          </p:cTn>
+                        </p:par>
+                      </p:childTnLst>
+                    </p:cTn>
+                  </p:par>
+                  <p:par>
+                    <p:cTn id="15" fill="hold">
+                      <p:stCondLst>
+                        <p:cond delay="indefinite"/>
+                      </p:stCondLst>
+                      <p:childTnLst>
+                        <p:par>
+                          <p:cTn id="16" fill="hold">
+                            <p:stCondLst>
+                              <p:cond delay="0"/>
+                            </p:stCondLst>
+                            <p:childTnLst>
+                              <p:par>
+                                <p:cTn id="17" presetID="1" presetClass="entr" presetSubtype="0" fill="hold" nodeType="clickEffect">
+                                  <p:stCondLst>
+                                    <p:cond delay="0"/>
+                                  </p:stCondLst>
+                                  <p:childTnLst>
+                                    <p:set>
+                                      <p:cBhvr>
+                                        <p:cTn id="18" dur="1" fill="hold">
+                                          <p:stCondLst>
+                                            <p:cond delay="0"/>
+                                          </p:stCondLst>
+                                        </p:cTn>
+                                        <p:tgtEl>
+                                          <p:spTgt spid="14">
+                                            <p:txEl>
+                                              <p:pRg st="4" end="4"/>
+                                            </p:txEl>
+                                          </p:spTgt>
+                                        </p:tgtEl>
+                                        <p:attrNameLst>
+                                          <p:attrName>style.visibility</p:attrName>
+                                        </p:attrNameLst>
+                                      </p:cBhvr>
+                                      <p:to>
+                                        <p:strVal val="visible"/>
+                                      </p:to>
+                                    </p:set>
+                                  </p:childTnLst>
+                                </p:cTn>
+                              </p:par>
+                            </p:childTnLst>
+                          </p:cTn>
+                        </p:par>
+                      </p:childTnLst>
+                    </p:cTn>
+                  </p:par>
+                </p:childTnLst>
+              </p:cTn>
+              <p:prevCondLst>
+                <p:cond evt="onPrev" delay="0">
+                  <p:tgtEl>
+                    <p:sldTgt/>
+                  </p:tgtEl>
+                </p:cond>
+              </p:prevCondLst>
+              <p:nextCondLst>
+                <p:cond evt="onNext" delay="0">
+                  <p:tgtEl>
+                    <p:sldTgt/>
+                  </p:tgtEl>
+                </p:cond>
+              </p:nextCondLst>
+            </p:seq>
+          </p:childTnLst>
+        </p:cTn>
+      </p:par>
+    </p:tnLst>
+  </p:timing>
 </p:sld>
 </file>
 
@@ -6376,6 +6602,196 @@
   <p:clrMapOvr>
     <a:masterClrMapping/>
   </p:clrMapOvr>
+  <p:timing>
+    <p:tnLst>
+      <p:par>
+        <p:cTn id="1" dur="indefinite" restart="never" nodeType="tmRoot">
+          <p:childTnLst>
+            <p:seq concurrent="1" nextAc="seek">
+              <p:cTn id="2" dur="indefinite" nodeType="mainSeq">
+                <p:childTnLst>
+                  <p:par>
+                    <p:cTn id="3" fill="hold">
+                      <p:stCondLst>
+                        <p:cond delay="indefinite"/>
+                      </p:stCondLst>
+                      <p:childTnLst>
+                        <p:par>
+                          <p:cTn id="4" fill="hold">
+                            <p:stCondLst>
+                              <p:cond delay="0"/>
+                            </p:stCondLst>
+                            <p:childTnLst>
+                              <p:par>
+                                <p:cTn id="5" presetID="1" presetClass="entr" presetSubtype="0" fill="hold" nodeType="clickEffect">
+                                  <p:stCondLst>
+                                    <p:cond delay="0"/>
+                                  </p:stCondLst>
+                                  <p:childTnLst>
+                                    <p:set>
+                                      <p:cBhvr>
+                                        <p:cTn id="6" dur="1" fill="hold">
+                                          <p:stCondLst>
+                                            <p:cond delay="0"/>
+                                          </p:stCondLst>
+                                        </p:cTn>
+                                        <p:tgtEl>
+                                          <p:spTgt spid="5">
+                                            <p:txEl>
+                                              <p:pRg st="1" end="1"/>
+                                            </p:txEl>
+                                          </p:spTgt>
+                                        </p:tgtEl>
+                                        <p:attrNameLst>
+                                          <p:attrName>style.visibility</p:attrName>
+                                        </p:attrNameLst>
+                                      </p:cBhvr>
+                                      <p:to>
+                                        <p:strVal val="visible"/>
+                                      </p:to>
+                                    </p:set>
+                                  </p:childTnLst>
+                                </p:cTn>
+                              </p:par>
+                              <p:par>
+                                <p:cTn id="7" presetID="1" presetClass="entr" presetSubtype="0" fill="hold" nodeType="withEffect">
+                                  <p:stCondLst>
+                                    <p:cond delay="0"/>
+                                  </p:stCondLst>
+                                  <p:childTnLst>
+                                    <p:set>
+                                      <p:cBhvr>
+                                        <p:cTn id="8" dur="1" fill="hold">
+                                          <p:stCondLst>
+                                            <p:cond delay="0"/>
+                                          </p:stCondLst>
+                                        </p:cTn>
+                                        <p:tgtEl>
+                                          <p:spTgt spid="5">
+                                            <p:txEl>
+                                              <p:pRg st="2" end="2"/>
+                                            </p:txEl>
+                                          </p:spTgt>
+                                        </p:tgtEl>
+                                        <p:attrNameLst>
+                                          <p:attrName>style.visibility</p:attrName>
+                                        </p:attrNameLst>
+                                      </p:cBhvr>
+                                      <p:to>
+                                        <p:strVal val="visible"/>
+                                      </p:to>
+                                    </p:set>
+                                  </p:childTnLst>
+                                </p:cTn>
+                              </p:par>
+                              <p:par>
+                                <p:cTn id="9" presetID="1" presetClass="entr" presetSubtype="0" fill="hold" nodeType="withEffect">
+                                  <p:stCondLst>
+                                    <p:cond delay="0"/>
+                                  </p:stCondLst>
+                                  <p:childTnLst>
+                                    <p:set>
+                                      <p:cBhvr>
+                                        <p:cTn id="10" dur="1" fill="hold">
+                                          <p:stCondLst>
+                                            <p:cond delay="0"/>
+                                          </p:stCondLst>
+                                        </p:cTn>
+                                        <p:tgtEl>
+                                          <p:spTgt spid="5">
+                                            <p:txEl>
+                                              <p:pRg st="3" end="3"/>
+                                            </p:txEl>
+                                          </p:spTgt>
+                                        </p:tgtEl>
+                                        <p:attrNameLst>
+                                          <p:attrName>style.visibility</p:attrName>
+                                        </p:attrNameLst>
+                                      </p:cBhvr>
+                                      <p:to>
+                                        <p:strVal val="visible"/>
+                                      </p:to>
+                                    </p:set>
+                                  </p:childTnLst>
+                                </p:cTn>
+                              </p:par>
+                            </p:childTnLst>
+                          </p:cTn>
+                        </p:par>
+                      </p:childTnLst>
+                    </p:cTn>
+                  </p:par>
+                  <p:par>
+                    <p:cTn id="11" fill="hold">
+                      <p:stCondLst>
+                        <p:cond delay="indefinite"/>
+                      </p:stCondLst>
+                      <p:childTnLst>
+                        <p:par>
+                          <p:cTn id="12" fill="hold">
+                            <p:stCondLst>
+                              <p:cond delay="0"/>
+                            </p:stCondLst>
+                            <p:childTnLst>
+                              <p:par>
+                                <p:cTn id="13" presetID="1" presetClass="entr" presetSubtype="0" fill="hold" nodeType="clickEffect">
+                                  <p:stCondLst>
+                                    <p:cond delay="0"/>
+                                  </p:stCondLst>
+                                  <p:childTnLst>
+                                    <p:set>
+                                      <p:cBhvr>
+                                        <p:cTn id="14" dur="1" fill="hold">
+                                          <p:stCondLst>
+                                            <p:cond delay="0"/>
+                                          </p:stCondLst>
+                                        </p:cTn>
+                                        <p:tgtEl>
+                                          <p:spTgt spid="5">
+                                            <p:txEl>
+                                              <p:pRg st="4" end="4"/>
+                                            </p:txEl>
+                                          </p:spTgt>
+                                        </p:tgtEl>
+                                        <p:attrNameLst>
+                                          <p:attrName>style.visibility</p:attrName>
+                                        </p:attrNameLst>
+                                      </p:cBhvr>
+                                      <p:to>
+                                        <p:strVal val="visible"/>
+                                      </p:to>
+                                    </p:set>
+                                  </p:childTnLst>
+                                </p:cTn>
+                              </p:par>
+                            </p:childTnLst>
+                          </p:cTn>
+                        </p:par>
+                      </p:childTnLst>
+                    </p:cTn>
+                  </p:par>
+                </p:childTnLst>
+              </p:cTn>
+              <p:prevCondLst>
+                <p:cond evt="onPrev" delay="0">
+                  <p:tgtEl>
+                    <p:sldTgt/>
+                  </p:tgtEl>
+                </p:cond>
+              </p:prevCondLst>
+              <p:nextCondLst>
+                <p:cond evt="onNext" delay="0">
+                  <p:tgtEl>
+                    <p:sldTgt/>
+                  </p:tgtEl>
+                </p:cond>
+              </p:nextCondLst>
+            </p:seq>
+          </p:childTnLst>
+        </p:cTn>
+      </p:par>
+    </p:tnLst>
+  </p:timing>
 </p:sld>
 </file>
 
@@ -6976,6 +7392,386 @@
   <p:clrMapOvr>
     <a:masterClrMapping/>
   </p:clrMapOvr>
+  <p:timing>
+    <p:tnLst>
+      <p:par>
+        <p:cTn id="1" dur="indefinite" restart="never" nodeType="tmRoot">
+          <p:childTnLst>
+            <p:seq concurrent="1" nextAc="seek">
+              <p:cTn id="2" dur="indefinite" nodeType="mainSeq">
+                <p:childTnLst>
+                  <p:par>
+                    <p:cTn id="3" fill="hold">
+                      <p:stCondLst>
+                        <p:cond delay="indefinite"/>
+                      </p:stCondLst>
+                      <p:childTnLst>
+                        <p:par>
+                          <p:cTn id="4" fill="hold">
+                            <p:stCondLst>
+                              <p:cond delay="0"/>
+                            </p:stCondLst>
+                            <p:childTnLst>
+                              <p:par>
+                                <p:cTn id="5" presetID="1" presetClass="entr" presetSubtype="0" fill="hold" nodeType="clickEffect">
+                                  <p:stCondLst>
+                                    <p:cond delay="0"/>
+                                  </p:stCondLst>
+                                  <p:childTnLst>
+                                    <p:set>
+                                      <p:cBhvr>
+                                        <p:cTn id="6" dur="1" fill="hold">
+                                          <p:stCondLst>
+                                            <p:cond delay="0"/>
+                                          </p:stCondLst>
+                                        </p:cTn>
+                                        <p:tgtEl>
+                                          <p:spTgt spid="5">
+                                            <p:txEl>
+                                              <p:pRg st="1" end="1"/>
+                                            </p:txEl>
+                                          </p:spTgt>
+                                        </p:tgtEl>
+                                        <p:attrNameLst>
+                                          <p:attrName>style.visibility</p:attrName>
+                                        </p:attrNameLst>
+                                      </p:cBhvr>
+                                      <p:to>
+                                        <p:strVal val="visible"/>
+                                      </p:to>
+                                    </p:set>
+                                  </p:childTnLst>
+                                </p:cTn>
+                              </p:par>
+                            </p:childTnLst>
+                          </p:cTn>
+                        </p:par>
+                      </p:childTnLst>
+                    </p:cTn>
+                  </p:par>
+                  <p:par>
+                    <p:cTn id="7" fill="hold">
+                      <p:stCondLst>
+                        <p:cond delay="indefinite"/>
+                      </p:stCondLst>
+                      <p:childTnLst>
+                        <p:par>
+                          <p:cTn id="8" fill="hold">
+                            <p:stCondLst>
+                              <p:cond delay="0"/>
+                            </p:stCondLst>
+                            <p:childTnLst>
+                              <p:par>
+                                <p:cTn id="9" presetID="1" presetClass="entr" presetSubtype="0" fill="hold" nodeType="clickEffect">
+                                  <p:stCondLst>
+                                    <p:cond delay="0"/>
+                                  </p:stCondLst>
+                                  <p:childTnLst>
+                                    <p:set>
+                                      <p:cBhvr>
+                                        <p:cTn id="10" dur="1" fill="hold">
+                                          <p:stCondLst>
+                                            <p:cond delay="0"/>
+                                          </p:stCondLst>
+                                        </p:cTn>
+                                        <p:tgtEl>
+                                          <p:spTgt spid="5">
+                                            <p:txEl>
+                                              <p:pRg st="2" end="2"/>
+                                            </p:txEl>
+                                          </p:spTgt>
+                                        </p:tgtEl>
+                                        <p:attrNameLst>
+                                          <p:attrName>style.visibility</p:attrName>
+                                        </p:attrNameLst>
+                                      </p:cBhvr>
+                                      <p:to>
+                                        <p:strVal val="visible"/>
+                                      </p:to>
+                                    </p:set>
+                                  </p:childTnLst>
+                                </p:cTn>
+                              </p:par>
+                            </p:childTnLst>
+                          </p:cTn>
+                        </p:par>
+                      </p:childTnLst>
+                    </p:cTn>
+                  </p:par>
+                  <p:par>
+                    <p:cTn id="11" fill="hold">
+                      <p:stCondLst>
+                        <p:cond delay="indefinite"/>
+                      </p:stCondLst>
+                      <p:childTnLst>
+                        <p:par>
+                          <p:cTn id="12" fill="hold">
+                            <p:stCondLst>
+                              <p:cond delay="0"/>
+                            </p:stCondLst>
+                            <p:childTnLst>
+                              <p:par>
+                                <p:cTn id="13" presetID="1" presetClass="entr" presetSubtype="0" fill="hold" nodeType="clickEffect">
+                                  <p:stCondLst>
+                                    <p:cond delay="0"/>
+                                  </p:stCondLst>
+                                  <p:childTnLst>
+                                    <p:set>
+                                      <p:cBhvr>
+                                        <p:cTn id="14" dur="1" fill="hold">
+                                          <p:stCondLst>
+                                            <p:cond delay="0"/>
+                                          </p:stCondLst>
+                                        </p:cTn>
+                                        <p:tgtEl>
+                                          <p:spTgt spid="5">
+                                            <p:txEl>
+                                              <p:pRg st="3" end="3"/>
+                                            </p:txEl>
+                                          </p:spTgt>
+                                        </p:tgtEl>
+                                        <p:attrNameLst>
+                                          <p:attrName>style.visibility</p:attrName>
+                                        </p:attrNameLst>
+                                      </p:cBhvr>
+                                      <p:to>
+                                        <p:strVal val="visible"/>
+                                      </p:to>
+                                    </p:set>
+                                  </p:childTnLst>
+                                </p:cTn>
+                              </p:par>
+                              <p:par>
+                                <p:cTn id="15" presetID="1" presetClass="entr" presetSubtype="0" fill="hold" nodeType="withEffect">
+                                  <p:stCondLst>
+                                    <p:cond delay="0"/>
+                                  </p:stCondLst>
+                                  <p:childTnLst>
+                                    <p:set>
+                                      <p:cBhvr>
+                                        <p:cTn id="16" dur="1" fill="hold">
+                                          <p:stCondLst>
+                                            <p:cond delay="0"/>
+                                          </p:stCondLst>
+                                        </p:cTn>
+                                        <p:tgtEl>
+                                          <p:spTgt spid="5">
+                                            <p:txEl>
+                                              <p:pRg st="4" end="4"/>
+                                            </p:txEl>
+                                          </p:spTgt>
+                                        </p:tgtEl>
+                                        <p:attrNameLst>
+                                          <p:attrName>style.visibility</p:attrName>
+                                        </p:attrNameLst>
+                                      </p:cBhvr>
+                                      <p:to>
+                                        <p:strVal val="visible"/>
+                                      </p:to>
+                                    </p:set>
+                                  </p:childTnLst>
+                                </p:cTn>
+                              </p:par>
+                              <p:par>
+                                <p:cTn id="17" presetID="1" presetClass="entr" presetSubtype="0" fill="hold" nodeType="withEffect">
+                                  <p:stCondLst>
+                                    <p:cond delay="0"/>
+                                  </p:stCondLst>
+                                  <p:childTnLst>
+                                    <p:set>
+                                      <p:cBhvr>
+                                        <p:cTn id="18" dur="1" fill="hold">
+                                          <p:stCondLst>
+                                            <p:cond delay="0"/>
+                                          </p:stCondLst>
+                                        </p:cTn>
+                                        <p:tgtEl>
+                                          <p:spTgt spid="5">
+                                            <p:txEl>
+                                              <p:pRg st="5" end="5"/>
+                                            </p:txEl>
+                                          </p:spTgt>
+                                        </p:tgtEl>
+                                        <p:attrNameLst>
+                                          <p:attrName>style.visibility</p:attrName>
+                                        </p:attrNameLst>
+                                      </p:cBhvr>
+                                      <p:to>
+                                        <p:strVal val="visible"/>
+                                      </p:to>
+                                    </p:set>
+                                  </p:childTnLst>
+                                </p:cTn>
+                              </p:par>
+                              <p:par>
+                                <p:cTn id="19" presetID="1" presetClass="entr" presetSubtype="0" fill="hold" nodeType="withEffect">
+                                  <p:stCondLst>
+                                    <p:cond delay="0"/>
+                                  </p:stCondLst>
+                                  <p:childTnLst>
+                                    <p:set>
+                                      <p:cBhvr>
+                                        <p:cTn id="20" dur="1" fill="hold">
+                                          <p:stCondLst>
+                                            <p:cond delay="0"/>
+                                          </p:stCondLst>
+                                        </p:cTn>
+                                        <p:tgtEl>
+                                          <p:spTgt spid="5">
+                                            <p:txEl>
+                                              <p:pRg st="6" end="6"/>
+                                            </p:txEl>
+                                          </p:spTgt>
+                                        </p:tgtEl>
+                                        <p:attrNameLst>
+                                          <p:attrName>style.visibility</p:attrName>
+                                        </p:attrNameLst>
+                                      </p:cBhvr>
+                                      <p:to>
+                                        <p:strVal val="visible"/>
+                                      </p:to>
+                                    </p:set>
+                                  </p:childTnLst>
+                                </p:cTn>
+                              </p:par>
+                              <p:par>
+                                <p:cTn id="21" presetID="1" presetClass="entr" presetSubtype="0" fill="hold" nodeType="withEffect">
+                                  <p:stCondLst>
+                                    <p:cond delay="0"/>
+                                  </p:stCondLst>
+                                  <p:childTnLst>
+                                    <p:set>
+                                      <p:cBhvr>
+                                        <p:cTn id="22" dur="1" fill="hold">
+                                          <p:stCondLst>
+                                            <p:cond delay="0"/>
+                                          </p:stCondLst>
+                                        </p:cTn>
+                                        <p:tgtEl>
+                                          <p:spTgt spid="5">
+                                            <p:txEl>
+                                              <p:pRg st="7" end="7"/>
+                                            </p:txEl>
+                                          </p:spTgt>
+                                        </p:tgtEl>
+                                        <p:attrNameLst>
+                                          <p:attrName>style.visibility</p:attrName>
+                                        </p:attrNameLst>
+                                      </p:cBhvr>
+                                      <p:to>
+                                        <p:strVal val="visible"/>
+                                      </p:to>
+                                    </p:set>
+                                  </p:childTnLst>
+                                </p:cTn>
+                              </p:par>
+                              <p:par>
+                                <p:cTn id="23" presetID="1" presetClass="entr" presetSubtype="0" fill="hold" nodeType="withEffect">
+                                  <p:stCondLst>
+                                    <p:cond delay="0"/>
+                                  </p:stCondLst>
+                                  <p:childTnLst>
+                                    <p:set>
+                                      <p:cBhvr>
+                                        <p:cTn id="24" dur="1" fill="hold">
+                                          <p:stCondLst>
+                                            <p:cond delay="0"/>
+                                          </p:stCondLst>
+                                        </p:cTn>
+                                        <p:tgtEl>
+                                          <p:spTgt spid="5">
+                                            <p:txEl>
+                                              <p:pRg st="8" end="8"/>
+                                            </p:txEl>
+                                          </p:spTgt>
+                                        </p:tgtEl>
+                                        <p:attrNameLst>
+                                          <p:attrName>style.visibility</p:attrName>
+                                        </p:attrNameLst>
+                                      </p:cBhvr>
+                                      <p:to>
+                                        <p:strVal val="visible"/>
+                                      </p:to>
+                                    </p:set>
+                                  </p:childTnLst>
+                                </p:cTn>
+                              </p:par>
+                            </p:childTnLst>
+                          </p:cTn>
+                        </p:par>
+                      </p:childTnLst>
+                    </p:cTn>
+                  </p:par>
+                  <p:par>
+                    <p:cTn id="25" fill="hold">
+                      <p:stCondLst>
+                        <p:cond delay="indefinite"/>
+                      </p:stCondLst>
+                      <p:childTnLst>
+                        <p:par>
+                          <p:cTn id="26" fill="hold">
+                            <p:stCondLst>
+                              <p:cond delay="0"/>
+                            </p:stCondLst>
+                            <p:childTnLst>
+                              <p:par>
+                                <p:cTn id="27" presetID="1" presetClass="entr" presetSubtype="0" fill="hold" grpId="0" nodeType="clickEffect">
+                                  <p:stCondLst>
+                                    <p:cond delay="0"/>
+                                  </p:stCondLst>
+                                  <p:childTnLst>
+                                    <p:set>
+                                      <p:cBhvr>
+                                        <p:cTn id="28" dur="1" fill="hold">
+                                          <p:stCondLst>
+                                            <p:cond delay="0"/>
+                                          </p:stCondLst>
+                                        </p:cTn>
+                                        <p:tgtEl>
+                                          <p:spTgt spid="6"/>
+                                        </p:tgtEl>
+                                        <p:attrNameLst>
+                                          <p:attrName>style.visibility</p:attrName>
+                                        </p:attrNameLst>
+                                      </p:cBhvr>
+                                      <p:to>
+                                        <p:strVal val="visible"/>
+                                      </p:to>
+                                    </p:set>
+                                  </p:childTnLst>
+                                </p:cTn>
+                              </p:par>
+                            </p:childTnLst>
+                          </p:cTn>
+                        </p:par>
+                      </p:childTnLst>
+                    </p:cTn>
+                  </p:par>
+                </p:childTnLst>
+              </p:cTn>
+              <p:prevCondLst>
+                <p:cond evt="onPrev" delay="0">
+                  <p:tgtEl>
+                    <p:sldTgt/>
+                  </p:tgtEl>
+                </p:cond>
+              </p:prevCondLst>
+              <p:nextCondLst>
+                <p:cond evt="onNext" delay="0">
+                  <p:tgtEl>
+                    <p:sldTgt/>
+                  </p:tgtEl>
+                </p:cond>
+              </p:nextCondLst>
+            </p:seq>
+          </p:childTnLst>
+        </p:cTn>
+      </p:par>
+    </p:tnLst>
+    <p:bldLst>
+      <p:bldP spid="6" grpId="0" animBg="1"/>
+    </p:bldLst>
+  </p:timing>
 </p:sld>
 </file>
 
@@ -7381,6 +8177,84 @@
   <p:clrMapOvr>
     <a:masterClrMapping/>
   </p:clrMapOvr>
+  <p:timing>
+    <p:tnLst>
+      <p:par>
+        <p:cTn id="1" dur="indefinite" restart="never" nodeType="tmRoot">
+          <p:childTnLst>
+            <p:seq concurrent="1" nextAc="seek">
+              <p:cTn id="2" dur="indefinite" nodeType="mainSeq">
+                <p:childTnLst>
+                  <p:par>
+                    <p:cTn id="3" fill="hold">
+                      <p:stCondLst>
+                        <p:cond delay="indefinite"/>
+                      </p:stCondLst>
+                      <p:childTnLst>
+                        <p:par>
+                          <p:cTn id="4" fill="hold">
+                            <p:stCondLst>
+                              <p:cond delay="0"/>
+                            </p:stCondLst>
+                            <p:childTnLst>
+                              <p:par>
+                                <p:cTn id="5" presetID="1" presetClass="entr" presetSubtype="0" fill="hold" grpId="0" nodeType="clickEffect">
+                                  <p:stCondLst>
+                                    <p:cond delay="0"/>
+                                  </p:stCondLst>
+                                  <p:childTnLst>
+                                    <p:set>
+                                      <p:cBhvr>
+                                        <p:cTn id="6" dur="1" fill="hold">
+                                          <p:stCondLst>
+                                            <p:cond delay="0"/>
+                                          </p:stCondLst>
+                                        </p:cTn>
+                                        <p:tgtEl>
+                                          <p:spTgt spid="16"/>
+                                        </p:tgtEl>
+                                        <p:attrNameLst>
+                                          <p:attrName>style.visibility</p:attrName>
+                                        </p:attrNameLst>
+                                      </p:cBhvr>
+                                      <p:to>
+                                        <p:strVal val="visible"/>
+                                      </p:to>
+                                    </p:set>
+                                  </p:childTnLst>
+                                </p:cTn>
+                              </p:par>
+                            </p:childTnLst>
+                          </p:cTn>
+                        </p:par>
+                      </p:childTnLst>
+                    </p:cTn>
+                  </p:par>
+                </p:childTnLst>
+              </p:cTn>
+              <p:prevCondLst>
+                <p:cond evt="onPrev" delay="0">
+                  <p:tgtEl>
+                    <p:sldTgt/>
+                  </p:tgtEl>
+                </p:cond>
+              </p:prevCondLst>
+              <p:nextCondLst>
+                <p:cond evt="onNext" delay="0">
+                  <p:tgtEl>
+                    <p:sldTgt/>
+                  </p:tgtEl>
+                </p:cond>
+              </p:nextCondLst>
+            </p:seq>
+          </p:childTnLst>
+        </p:cTn>
+      </p:par>
+    </p:tnLst>
+    <p:bldLst>
+      <p:bldP spid="16" grpId="0" animBg="1"/>
+    </p:bldLst>
+  </p:timing>
 </p:sld>
 </file>
 
@@ -7978,6 +8852,302 @@
   <p:clrMapOvr>
     <a:masterClrMapping/>
   </p:clrMapOvr>
+  <p:timing>
+    <p:tnLst>
+      <p:par>
+        <p:cTn id="1" dur="indefinite" restart="never" nodeType="tmRoot">
+          <p:childTnLst>
+            <p:seq concurrent="1" nextAc="seek">
+              <p:cTn id="2" dur="indefinite" nodeType="mainSeq">
+                <p:childTnLst>
+                  <p:par>
+                    <p:cTn id="3" fill="hold">
+                      <p:stCondLst>
+                        <p:cond delay="indefinite"/>
+                      </p:stCondLst>
+                      <p:childTnLst>
+                        <p:par>
+                          <p:cTn id="4" fill="hold">
+                            <p:stCondLst>
+                              <p:cond delay="0"/>
+                            </p:stCondLst>
+                            <p:childTnLst>
+                              <p:par>
+                                <p:cTn id="5" presetID="1" presetClass="entr" presetSubtype="0" fill="hold" nodeType="clickEffect">
+                                  <p:stCondLst>
+                                    <p:cond delay="0"/>
+                                  </p:stCondLst>
+                                  <p:childTnLst>
+                                    <p:set>
+                                      <p:cBhvr>
+                                        <p:cTn id="6" dur="1" fill="hold">
+                                          <p:stCondLst>
+                                            <p:cond delay="0"/>
+                                          </p:stCondLst>
+                                        </p:cTn>
+                                        <p:tgtEl>
+                                          <p:spTgt spid="5">
+                                            <p:txEl>
+                                              <p:pRg st="2" end="2"/>
+                                            </p:txEl>
+                                          </p:spTgt>
+                                        </p:tgtEl>
+                                        <p:attrNameLst>
+                                          <p:attrName>style.visibility</p:attrName>
+                                        </p:attrNameLst>
+                                      </p:cBhvr>
+                                      <p:to>
+                                        <p:strVal val="visible"/>
+                                      </p:to>
+                                    </p:set>
+                                  </p:childTnLst>
+                                </p:cTn>
+                              </p:par>
+                              <p:par>
+                                <p:cTn id="7" presetID="1" presetClass="entr" presetSubtype="0" fill="hold" nodeType="withEffect">
+                                  <p:stCondLst>
+                                    <p:cond delay="0"/>
+                                  </p:stCondLst>
+                                  <p:childTnLst>
+                                    <p:set>
+                                      <p:cBhvr>
+                                        <p:cTn id="8" dur="1" fill="hold">
+                                          <p:stCondLst>
+                                            <p:cond delay="0"/>
+                                          </p:stCondLst>
+                                        </p:cTn>
+                                        <p:tgtEl>
+                                          <p:spTgt spid="5">
+                                            <p:txEl>
+                                              <p:pRg st="3" end="3"/>
+                                            </p:txEl>
+                                          </p:spTgt>
+                                        </p:tgtEl>
+                                        <p:attrNameLst>
+                                          <p:attrName>style.visibility</p:attrName>
+                                        </p:attrNameLst>
+                                      </p:cBhvr>
+                                      <p:to>
+                                        <p:strVal val="visible"/>
+                                      </p:to>
+                                    </p:set>
+                                  </p:childTnLst>
+                                </p:cTn>
+                              </p:par>
+                              <p:par>
+                                <p:cTn id="9" presetID="1" presetClass="entr" presetSubtype="0" fill="hold" nodeType="withEffect">
+                                  <p:stCondLst>
+                                    <p:cond delay="0"/>
+                                  </p:stCondLst>
+                                  <p:childTnLst>
+                                    <p:set>
+                                      <p:cBhvr>
+                                        <p:cTn id="10" dur="1" fill="hold">
+                                          <p:stCondLst>
+                                            <p:cond delay="0"/>
+                                          </p:stCondLst>
+                                        </p:cTn>
+                                        <p:tgtEl>
+                                          <p:spTgt spid="5">
+                                            <p:txEl>
+                                              <p:pRg st="4" end="4"/>
+                                            </p:txEl>
+                                          </p:spTgt>
+                                        </p:tgtEl>
+                                        <p:attrNameLst>
+                                          <p:attrName>style.visibility</p:attrName>
+                                        </p:attrNameLst>
+                                      </p:cBhvr>
+                                      <p:to>
+                                        <p:strVal val="visible"/>
+                                      </p:to>
+                                    </p:set>
+                                  </p:childTnLst>
+                                </p:cTn>
+                              </p:par>
+                              <p:par>
+                                <p:cTn id="11" presetID="1" presetClass="entr" presetSubtype="0" fill="hold" nodeType="withEffect">
+                                  <p:stCondLst>
+                                    <p:cond delay="0"/>
+                                  </p:stCondLst>
+                                  <p:childTnLst>
+                                    <p:set>
+                                      <p:cBhvr>
+                                        <p:cTn id="12" dur="1" fill="hold">
+                                          <p:stCondLst>
+                                            <p:cond delay="0"/>
+                                          </p:stCondLst>
+                                        </p:cTn>
+                                        <p:tgtEl>
+                                          <p:spTgt spid="5">
+                                            <p:txEl>
+                                              <p:pRg st="5" end="5"/>
+                                            </p:txEl>
+                                          </p:spTgt>
+                                        </p:tgtEl>
+                                        <p:attrNameLst>
+                                          <p:attrName>style.visibility</p:attrName>
+                                        </p:attrNameLst>
+                                      </p:cBhvr>
+                                      <p:to>
+                                        <p:strVal val="visible"/>
+                                      </p:to>
+                                    </p:set>
+                                  </p:childTnLst>
+                                </p:cTn>
+                              </p:par>
+                              <p:par>
+                                <p:cTn id="13" presetID="1" presetClass="entr" presetSubtype="0" fill="hold" nodeType="withEffect">
+                                  <p:stCondLst>
+                                    <p:cond delay="0"/>
+                                  </p:stCondLst>
+                                  <p:childTnLst>
+                                    <p:set>
+                                      <p:cBhvr>
+                                        <p:cTn id="14" dur="1" fill="hold">
+                                          <p:stCondLst>
+                                            <p:cond delay="0"/>
+                                          </p:stCondLst>
+                                        </p:cTn>
+                                        <p:tgtEl>
+                                          <p:spTgt spid="5">
+                                            <p:txEl>
+                                              <p:pRg st="6" end="6"/>
+                                            </p:txEl>
+                                          </p:spTgt>
+                                        </p:tgtEl>
+                                        <p:attrNameLst>
+                                          <p:attrName>style.visibility</p:attrName>
+                                        </p:attrNameLst>
+                                      </p:cBhvr>
+                                      <p:to>
+                                        <p:strVal val="visible"/>
+                                      </p:to>
+                                    </p:set>
+                                  </p:childTnLst>
+                                </p:cTn>
+                              </p:par>
+                              <p:par>
+                                <p:cTn id="15" presetID="1" presetClass="entr" presetSubtype="0" fill="hold" nodeType="withEffect">
+                                  <p:stCondLst>
+                                    <p:cond delay="0"/>
+                                  </p:stCondLst>
+                                  <p:childTnLst>
+                                    <p:set>
+                                      <p:cBhvr>
+                                        <p:cTn id="16" dur="1" fill="hold">
+                                          <p:stCondLst>
+                                            <p:cond delay="0"/>
+                                          </p:stCondLst>
+                                        </p:cTn>
+                                        <p:tgtEl>
+                                          <p:spTgt spid="5">
+                                            <p:txEl>
+                                              <p:pRg st="7" end="7"/>
+                                            </p:txEl>
+                                          </p:spTgt>
+                                        </p:tgtEl>
+                                        <p:attrNameLst>
+                                          <p:attrName>style.visibility</p:attrName>
+                                        </p:attrNameLst>
+                                      </p:cBhvr>
+                                      <p:to>
+                                        <p:strVal val="visible"/>
+                                      </p:to>
+                                    </p:set>
+                                  </p:childTnLst>
+                                </p:cTn>
+                              </p:par>
+                              <p:par>
+                                <p:cTn id="17" presetID="1" presetClass="entr" presetSubtype="0" fill="hold" nodeType="withEffect">
+                                  <p:stCondLst>
+                                    <p:cond delay="0"/>
+                                  </p:stCondLst>
+                                  <p:childTnLst>
+                                    <p:set>
+                                      <p:cBhvr>
+                                        <p:cTn id="18" dur="1" fill="hold">
+                                          <p:stCondLst>
+                                            <p:cond delay="0"/>
+                                          </p:stCondLst>
+                                        </p:cTn>
+                                        <p:tgtEl>
+                                          <p:spTgt spid="5">
+                                            <p:txEl>
+                                              <p:pRg st="8" end="8"/>
+                                            </p:txEl>
+                                          </p:spTgt>
+                                        </p:tgtEl>
+                                        <p:attrNameLst>
+                                          <p:attrName>style.visibility</p:attrName>
+                                        </p:attrNameLst>
+                                      </p:cBhvr>
+                                      <p:to>
+                                        <p:strVal val="visible"/>
+                                      </p:to>
+                                    </p:set>
+                                  </p:childTnLst>
+                                </p:cTn>
+                              </p:par>
+                              <p:par>
+                                <p:cTn id="19" presetID="1" presetClass="entr" presetSubtype="0" fill="hold" nodeType="withEffect">
+                                  <p:stCondLst>
+                                    <p:cond delay="0"/>
+                                  </p:stCondLst>
+                                  <p:childTnLst>
+                                    <p:set>
+                                      <p:cBhvr>
+                                        <p:cTn id="20" dur="1" fill="hold">
+                                          <p:stCondLst>
+                                            <p:cond delay="0"/>
+                                          </p:stCondLst>
+                                        </p:cTn>
+                                        <p:tgtEl>
+                                          <p:spTgt spid="5">
+                                            <p:txEl>
+                                              <p:pRg st="9" end="9"/>
+                                            </p:txEl>
+                                          </p:spTgt>
+                                        </p:tgtEl>
+                                        <p:attrNameLst>
+                                          <p:attrName>style.visibility</p:attrName>
+                                        </p:attrNameLst>
+                                      </p:cBhvr>
+                                      <p:to>
+                                        <p:strVal val="visible"/>
+                                      </p:to>
+                                    </p:set>
+                                  </p:childTnLst>
+                                </p:cTn>
+                              </p:par>
+                            </p:childTnLst>
+                          </p:cTn>
+                        </p:par>
+                      </p:childTnLst>
+                    </p:cTn>
+                  </p:par>
+                </p:childTnLst>
+              </p:cTn>
+              <p:prevCondLst>
+                <p:cond evt="onPrev" delay="0">
+                  <p:tgtEl>
+                    <p:sldTgt/>
+                  </p:tgtEl>
+                </p:cond>
+              </p:prevCondLst>
+              <p:nextCondLst>
+                <p:cond evt="onNext" delay="0">
+                  <p:tgtEl>
+                    <p:sldTgt/>
+                  </p:tgtEl>
+                </p:cond>
+              </p:nextCondLst>
+            </p:seq>
+          </p:childTnLst>
+        </p:cTn>
+      </p:par>
+    </p:tnLst>
+  </p:timing>
 </p:sld>
 </file>
 
@@ -8523,6 +9693,85 @@
   <p:clrMapOvr>
     <a:masterClrMapping/>
   </p:clrMapOvr>
+  <p:timing>
+    <p:tnLst>
+      <p:par>
+        <p:cTn id="1" dur="indefinite" restart="never" nodeType="tmRoot">
+          <p:childTnLst>
+            <p:seq concurrent="1" nextAc="seek">
+              <p:cTn id="2" dur="indefinite" nodeType="mainSeq">
+                <p:childTnLst>
+                  <p:par>
+                    <p:cTn id="3" fill="hold">
+                      <p:stCondLst>
+                        <p:cond delay="indefinite"/>
+                      </p:stCondLst>
+                      <p:childTnLst>
+                        <p:par>
+                          <p:cTn id="4" fill="hold">
+                            <p:stCondLst>
+                              <p:cond delay="0"/>
+                            </p:stCondLst>
+                            <p:childTnLst>
+                              <p:par>
+                                <p:cTn id="5" presetID="1" presetClass="entr" presetSubtype="0" fill="hold" nodeType="clickEffect">
+                                  <p:stCondLst>
+                                    <p:cond delay="0"/>
+                                  </p:stCondLst>
+                                  <p:childTnLst>
+                                    <p:set>
+                                      <p:cBhvr>
+                                        <p:cTn id="6" dur="1" fill="hold">
+                                          <p:stCondLst>
+                                            <p:cond delay="0"/>
+                                          </p:stCondLst>
+                                        </p:cTn>
+                                        <p:tgtEl>
+                                          <p:spTgt spid="6">
+                                            <p:txEl>
+                                              <p:pRg st="1" end="1"/>
+                                            </p:txEl>
+                                          </p:spTgt>
+                                        </p:tgtEl>
+                                        <p:attrNameLst>
+                                          <p:attrName>style.visibility</p:attrName>
+                                        </p:attrNameLst>
+                                      </p:cBhvr>
+                                      <p:to>
+                                        <p:strVal val="visible"/>
+                                      </p:to>
+                                    </p:set>
+                                  </p:childTnLst>
+                                </p:cTn>
+                              </p:par>
+                            </p:childTnLst>
+                          </p:cTn>
+                        </p:par>
+                      </p:childTnLst>
+                    </p:cTn>
+                  </p:par>
+                </p:childTnLst>
+              </p:cTn>
+              <p:prevCondLst>
+                <p:cond evt="onPrev" delay="0">
+                  <p:tgtEl>
+                    <p:sldTgt/>
+                  </p:tgtEl>
+                </p:cond>
+              </p:prevCondLst>
+              <p:nextCondLst>
+                <p:cond evt="onNext" delay="0">
+                  <p:tgtEl>
+                    <p:sldTgt/>
+                  </p:tgtEl>
+                </p:cond>
+              </p:nextCondLst>
+            </p:seq>
+          </p:childTnLst>
+        </p:cTn>
+      </p:par>
+    </p:tnLst>
+  </p:timing>
 </p:sld>
 </file>
 
@@ -8980,6 +10229,85 @@
   <p:clrMapOvr>
     <a:masterClrMapping/>
   </p:clrMapOvr>
+  <p:timing>
+    <p:tnLst>
+      <p:par>
+        <p:cTn id="1" dur="indefinite" restart="never" nodeType="tmRoot">
+          <p:childTnLst>
+            <p:seq concurrent="1" nextAc="seek">
+              <p:cTn id="2" dur="indefinite" nodeType="mainSeq">
+                <p:childTnLst>
+                  <p:par>
+                    <p:cTn id="3" fill="hold">
+                      <p:stCondLst>
+                        <p:cond delay="indefinite"/>
+                      </p:stCondLst>
+                      <p:childTnLst>
+                        <p:par>
+                          <p:cTn id="4" fill="hold">
+                            <p:stCondLst>
+                              <p:cond delay="0"/>
+                            </p:stCondLst>
+                            <p:childTnLst>
+                              <p:par>
+                                <p:cTn id="5" presetID="1" presetClass="entr" presetSubtype="0" fill="hold" nodeType="clickEffect">
+                                  <p:stCondLst>
+                                    <p:cond delay="0"/>
+                                  </p:stCondLst>
+                                  <p:childTnLst>
+                                    <p:set>
+                                      <p:cBhvr>
+                                        <p:cTn id="6" dur="1" fill="hold">
+                                          <p:stCondLst>
+                                            <p:cond delay="0"/>
+                                          </p:stCondLst>
+                                        </p:cTn>
+                                        <p:tgtEl>
+                                          <p:spTgt spid="5">
+                                            <p:txEl>
+                                              <p:pRg st="1" end="1"/>
+                                            </p:txEl>
+                                          </p:spTgt>
+                                        </p:tgtEl>
+                                        <p:attrNameLst>
+                                          <p:attrName>style.visibility</p:attrName>
+                                        </p:attrNameLst>
+                                      </p:cBhvr>
+                                      <p:to>
+                                        <p:strVal val="visible"/>
+                                      </p:to>
+                                    </p:set>
+                                  </p:childTnLst>
+                                </p:cTn>
+                              </p:par>
+                            </p:childTnLst>
+                          </p:cTn>
+                        </p:par>
+                      </p:childTnLst>
+                    </p:cTn>
+                  </p:par>
+                </p:childTnLst>
+              </p:cTn>
+              <p:prevCondLst>
+                <p:cond evt="onPrev" delay="0">
+                  <p:tgtEl>
+                    <p:sldTgt/>
+                  </p:tgtEl>
+                </p:cond>
+              </p:prevCondLst>
+              <p:nextCondLst>
+                <p:cond evt="onNext" delay="0">
+                  <p:tgtEl>
+                    <p:sldTgt/>
+                  </p:tgtEl>
+                </p:cond>
+              </p:nextCondLst>
+            </p:seq>
+          </p:childTnLst>
+        </p:cTn>
+      </p:par>
+    </p:tnLst>
+  </p:timing>
 </p:sld>
 </file>
 
